--- a/4ComputerVision/frk_DL-for-CV_v0.pptx
+++ b/4ComputerVision/frk_DL-for-CV_v0.pptx
@@ -5,13 +5,15 @@
     <p:sldMasterId id="2147483648" r:id="rId1"/>
   </p:sldMasterIdLst>
   <p:notesMasterIdLst>
-    <p:notesMasterId r:id="rId6"/>
+    <p:notesMasterId r:id="rId8"/>
   </p:notesMasterIdLst>
   <p:sldIdLst>
-    <p:sldId id="262" r:id="rId2"/>
-    <p:sldId id="274" r:id="rId3"/>
-    <p:sldId id="272" r:id="rId4"/>
-    <p:sldId id="273" r:id="rId5"/>
+    <p:sldId id="277" r:id="rId2"/>
+    <p:sldId id="278" r:id="rId3"/>
+    <p:sldId id="262" r:id="rId4"/>
+    <p:sldId id="274" r:id="rId5"/>
+    <p:sldId id="272" r:id="rId6"/>
+    <p:sldId id="273" r:id="rId7"/>
   </p:sldIdLst>
   <p:sldSz cx="12192000" cy="6858000"/>
   <p:notesSz cx="6858000" cy="9144000"/>
@@ -211,7 +213,7 @@
           <a:p>
             <a:fld id="{B9C95759-9FD3-4816-8198-2C330EBF9A00}" type="datetimeFigureOut">
               <a:rPr lang="en-US" smtClean="0"/>
-              <a:t>6/9/2022</a:t>
+              <a:t>6/11/2022</a:t>
             </a:fld>
             <a:endParaRPr lang="en-US"/>
           </a:p>
@@ -728,6 +730,11 @@
         </p:txBody>
       </p:sp>
     </p:spTree>
+    <p:extLst>
+      <p:ext uri="{BB962C8B-B14F-4D97-AF65-F5344CB8AC3E}">
+        <p14:creationId xmlns:p14="http://schemas.microsoft.com/office/powerpoint/2010/main" val="4289341294"/>
+      </p:ext>
+    </p:extLst>
   </p:cSld>
   <p:clrMapOvr>
     <a:masterClrMapping/>
@@ -1001,7 +1008,7 @@
     </p:spTree>
     <p:extLst>
       <p:ext uri="{BB962C8B-B14F-4D97-AF65-F5344CB8AC3E}">
-        <p14:creationId xmlns:p14="http://schemas.microsoft.com/office/powerpoint/2010/main" val="2247275110"/>
+        <p14:creationId xmlns:p14="http://schemas.microsoft.com/office/powerpoint/2010/main" val="873398355"/>
       </p:ext>
     </p:extLst>
   </p:cSld>
@@ -1030,7 +1037,7 @@
       </p:grpSpPr>
       <p:sp>
         <p:nvSpPr>
-          <p:cNvPr id="41986" name="Slide Image Placeholder 1"/>
+          <p:cNvPr id="33794" name="Slide Image Placeholder 1"/>
           <p:cNvSpPr>
             <a:spLocks noGrp="1" noRot="1" noChangeAspect="1" noTextEdit="1"/>
           </p:cNvSpPr>
@@ -1061,7 +1068,7 @@
       </p:sp>
       <p:sp>
         <p:nvSpPr>
-          <p:cNvPr id="41987" name="Notes Placeholder 2"/>
+          <p:cNvPr id="33795" name="Notes Placeholder 2"/>
           <p:cNvSpPr>
             <a:spLocks noGrp="1"/>
           </p:cNvSpPr>
@@ -1099,21 +1106,7 @@
           </a:bodyPr>
           <a:lstStyle/>
           <a:p>
-            <a:r>
-              <a:rPr lang="en-US" dirty="0">
-                <a:ea typeface="맑은 고딕" pitchFamily="34" charset="-127"/>
-              </a:rPr>
-              <a:t>-This</a:t>
-            </a:r>
-            <a:r>
-              <a:rPr lang="en-US" baseline="0" dirty="0">
-                <a:ea typeface="맑은 고딕" pitchFamily="34" charset="-127"/>
-              </a:rPr>
-              <a:t> is the concept and RTL design of DSSS sub-system.</a:t>
-            </a:r>
-          </a:p>
-          <a:p>
-            <a:endParaRPr lang="en-US" dirty="0">
+            <a:endParaRPr lang="en-US" sz="1000" dirty="0">
               <a:ea typeface="맑은 고딕" pitchFamily="34" charset="-127"/>
             </a:endParaRPr>
           </a:p>
@@ -1121,7 +1114,7 @@
       </p:sp>
       <p:sp>
         <p:nvSpPr>
-          <p:cNvPr id="41988" name="Slide Number Placeholder 3"/>
+          <p:cNvPr id="33796" name="Slide Number Placeholder 3"/>
           <p:cNvSpPr>
             <a:spLocks noGrp="1"/>
           </p:cNvSpPr>
@@ -1261,7 +1254,7 @@
             </a:lvl9pPr>
           </a:lstStyle>
           <a:p>
-            <a:fld id="{F94DE804-F275-431C-A820-302183C172F9}" type="slidenum">
+            <a:fld id="{CD115DB7-A7E1-4B52-9549-7DB8CBBB3E6D}" type="slidenum">
               <a:rPr kumimoji="0" lang="ko-KR" altLang="en-US" smtClean="0">
                 <a:ea typeface="맑은 고딕" pitchFamily="34" charset="-127"/>
               </a:rPr>
@@ -1275,11 +1268,6 @@
         </p:txBody>
       </p:sp>
     </p:spTree>
-    <p:extLst>
-      <p:ext uri="{BB962C8B-B14F-4D97-AF65-F5344CB8AC3E}">
-        <p14:creationId xmlns:p14="http://schemas.microsoft.com/office/powerpoint/2010/main" val="3954677166"/>
-      </p:ext>
-    </p:extLst>
   </p:cSld>
   <p:clrMapOvr>
     <a:masterClrMapping/>
@@ -1543,6 +1531,558 @@
               </a:rPr>
               <a:pPr/>
               <a:t>4</a:t>
+            </a:fld>
+            <a:endParaRPr kumimoji="0" lang="ko-KR" altLang="en-US">
+              <a:ea typeface="맑은 고딕" pitchFamily="34" charset="-127"/>
+            </a:endParaRPr>
+          </a:p>
+        </p:txBody>
+      </p:sp>
+    </p:spTree>
+    <p:extLst>
+      <p:ext uri="{BB962C8B-B14F-4D97-AF65-F5344CB8AC3E}">
+        <p14:creationId xmlns:p14="http://schemas.microsoft.com/office/powerpoint/2010/main" val="2247275110"/>
+      </p:ext>
+    </p:extLst>
+  </p:cSld>
+  <p:clrMapOvr>
+    <a:masterClrMapping/>
+  </p:clrMapOvr>
+</p:notes>
+</file>
+
+<file path=ppt/notesSlides/notesSlide5.xml><?xml version="1.0" encoding="utf-8"?>
+<p:notes xmlns:a="http://schemas.openxmlformats.org/drawingml/2006/main" xmlns:r="http://schemas.openxmlformats.org/officeDocument/2006/relationships" xmlns:p="http://schemas.openxmlformats.org/presentationml/2006/main">
+  <p:cSld>
+    <p:spTree>
+      <p:nvGrpSpPr>
+        <p:cNvPr id="1" name=""/>
+        <p:cNvGrpSpPr/>
+        <p:nvPr/>
+      </p:nvGrpSpPr>
+      <p:grpSpPr>
+        <a:xfrm>
+          <a:off x="0" y="0"/>
+          <a:ext cx="0" cy="0"/>
+          <a:chOff x="0" y="0"/>
+          <a:chExt cx="0" cy="0"/>
+        </a:xfrm>
+      </p:grpSpPr>
+      <p:sp>
+        <p:nvSpPr>
+          <p:cNvPr id="41986" name="Slide Image Placeholder 1"/>
+          <p:cNvSpPr>
+            <a:spLocks noGrp="1" noRot="1" noChangeAspect="1" noTextEdit="1"/>
+          </p:cNvSpPr>
+          <p:nvPr>
+            <p:ph type="sldImg"/>
+          </p:nvPr>
+        </p:nvSpPr>
+        <p:spPr bwMode="auto">
+          <a:noFill/>
+          <a:ln>
+            <a:solidFill>
+              <a:srgbClr val="000000"/>
+            </a:solidFill>
+            <a:miter lim="800000"/>
+            <a:headEnd/>
+            <a:tailEnd/>
+          </a:ln>
+          <a:extLst>
+            <a:ext uri="{909E8E84-426E-40DD-AFC4-6F175D3DCCD1}">
+              <a14:hiddenFill xmlns:a14="http://schemas.microsoft.com/office/drawing/2010/main">
+                <a:solidFill>
+                  <a:srgbClr val="FFFFFF"/>
+                </a:solidFill>
+              </a14:hiddenFill>
+            </a:ext>
+          </a:extLst>
+        </p:spPr>
+      </p:sp>
+      <p:sp>
+        <p:nvSpPr>
+          <p:cNvPr id="41987" name="Notes Placeholder 2"/>
+          <p:cNvSpPr>
+            <a:spLocks noGrp="1"/>
+          </p:cNvSpPr>
+          <p:nvPr>
+            <p:ph type="body" idx="1"/>
+          </p:nvPr>
+        </p:nvSpPr>
+        <p:spPr bwMode="auto">
+          <a:noFill/>
+          <a:extLst>
+            <a:ext uri="{909E8E84-426E-40DD-AFC4-6F175D3DCCD1}">
+              <a14:hiddenFill xmlns:a14="http://schemas.microsoft.com/office/drawing/2010/main">
+                <a:solidFill>
+                  <a:srgbClr val="FFFFFF"/>
+                </a:solidFill>
+              </a14:hiddenFill>
+            </a:ext>
+            <a:ext uri="{91240B29-F687-4F45-9708-019B960494DF}">
+              <a14:hiddenLine xmlns:a14="http://schemas.microsoft.com/office/drawing/2010/main" w="9525">
+                <a:solidFill>
+                  <a:srgbClr val="000000"/>
+                </a:solidFill>
+                <a:miter lim="800000"/>
+                <a:headEnd/>
+                <a:tailEnd/>
+              </a14:hiddenLine>
+            </a:ext>
+          </a:extLst>
+        </p:spPr>
+        <p:txBody>
+          <a:bodyPr wrap="square" numCol="1" anchor="t" anchorCtr="0" compatLnSpc="1">
+            <a:prstTxWarp prst="textNoShape">
+              <a:avLst/>
+            </a:prstTxWarp>
+          </a:bodyPr>
+          <a:lstStyle/>
+          <a:p>
+            <a:r>
+              <a:rPr lang="en-US" dirty="0">
+                <a:ea typeface="맑은 고딕" pitchFamily="34" charset="-127"/>
+              </a:rPr>
+              <a:t>-This</a:t>
+            </a:r>
+            <a:r>
+              <a:rPr lang="en-US" baseline="0" dirty="0">
+                <a:ea typeface="맑은 고딕" pitchFamily="34" charset="-127"/>
+              </a:rPr>
+              <a:t> is the concept and RTL design of DSSS sub-system.</a:t>
+            </a:r>
+          </a:p>
+          <a:p>
+            <a:endParaRPr lang="en-US" dirty="0">
+              <a:ea typeface="맑은 고딕" pitchFamily="34" charset="-127"/>
+            </a:endParaRPr>
+          </a:p>
+        </p:txBody>
+      </p:sp>
+      <p:sp>
+        <p:nvSpPr>
+          <p:cNvPr id="41988" name="Slide Number Placeholder 3"/>
+          <p:cNvSpPr>
+            <a:spLocks noGrp="1"/>
+          </p:cNvSpPr>
+          <p:nvPr>
+            <p:ph type="sldNum" sz="quarter" idx="5"/>
+          </p:nvPr>
+        </p:nvSpPr>
+        <p:spPr bwMode="auto">
+          <a:noFill/>
+          <a:extLst>
+            <a:ext uri="{909E8E84-426E-40DD-AFC4-6F175D3DCCD1}">
+              <a14:hiddenFill xmlns:a14="http://schemas.microsoft.com/office/drawing/2010/main">
+                <a:solidFill>
+                  <a:srgbClr val="FFFFFF"/>
+                </a:solidFill>
+              </a14:hiddenFill>
+            </a:ext>
+            <a:ext uri="{91240B29-F687-4F45-9708-019B960494DF}">
+              <a14:hiddenLine xmlns:a14="http://schemas.microsoft.com/office/drawing/2010/main" w="9525">
+                <a:solidFill>
+                  <a:srgbClr val="000000"/>
+                </a:solidFill>
+                <a:miter lim="800000"/>
+                <a:headEnd/>
+                <a:tailEnd/>
+              </a14:hiddenLine>
+            </a:ext>
+          </a:extLst>
+        </p:spPr>
+        <p:txBody>
+          <a:bodyPr/>
+          <a:lstStyle>
+            <a:lvl1pPr>
+              <a:defRPr kumimoji="1">
+                <a:solidFill>
+                  <a:schemeClr val="tx1"/>
+                </a:solidFill>
+                <a:latin typeface="맑은 고딕" pitchFamily="34" charset="-127"/>
+                <a:ea typeface="굴림" pitchFamily="34" charset="-127"/>
+              </a:defRPr>
+            </a:lvl1pPr>
+            <a:lvl2pPr marL="742950" indent="-285750">
+              <a:defRPr kumimoji="1">
+                <a:solidFill>
+                  <a:schemeClr val="tx1"/>
+                </a:solidFill>
+                <a:latin typeface="맑은 고딕" pitchFamily="34" charset="-127"/>
+                <a:ea typeface="굴림" pitchFamily="34" charset="-127"/>
+              </a:defRPr>
+            </a:lvl2pPr>
+            <a:lvl3pPr marL="1143000" indent="-228600">
+              <a:defRPr kumimoji="1">
+                <a:solidFill>
+                  <a:schemeClr val="tx1"/>
+                </a:solidFill>
+                <a:latin typeface="맑은 고딕" pitchFamily="34" charset="-127"/>
+                <a:ea typeface="굴림" pitchFamily="34" charset="-127"/>
+              </a:defRPr>
+            </a:lvl3pPr>
+            <a:lvl4pPr marL="1600200" indent="-228600">
+              <a:defRPr kumimoji="1">
+                <a:solidFill>
+                  <a:schemeClr val="tx1"/>
+                </a:solidFill>
+                <a:latin typeface="맑은 고딕" pitchFamily="34" charset="-127"/>
+                <a:ea typeface="굴림" pitchFamily="34" charset="-127"/>
+              </a:defRPr>
+            </a:lvl4pPr>
+            <a:lvl5pPr marL="2057400" indent="-228600">
+              <a:defRPr kumimoji="1">
+                <a:solidFill>
+                  <a:schemeClr val="tx1"/>
+                </a:solidFill>
+                <a:latin typeface="맑은 고딕" pitchFamily="34" charset="-127"/>
+                <a:ea typeface="굴림" pitchFamily="34" charset="-127"/>
+              </a:defRPr>
+            </a:lvl5pPr>
+            <a:lvl6pPr marL="2514600" indent="-228600" eaLnBrk="0" fontAlgn="base" hangingPunct="0">
+              <a:spcBef>
+                <a:spcPct val="0"/>
+              </a:spcBef>
+              <a:spcAft>
+                <a:spcPct val="0"/>
+              </a:spcAft>
+              <a:defRPr kumimoji="1">
+                <a:solidFill>
+                  <a:schemeClr val="tx1"/>
+                </a:solidFill>
+                <a:latin typeface="맑은 고딕" pitchFamily="34" charset="-127"/>
+                <a:ea typeface="굴림" pitchFamily="34" charset="-127"/>
+              </a:defRPr>
+            </a:lvl6pPr>
+            <a:lvl7pPr marL="2971800" indent="-228600" eaLnBrk="0" fontAlgn="base" hangingPunct="0">
+              <a:spcBef>
+                <a:spcPct val="0"/>
+              </a:spcBef>
+              <a:spcAft>
+                <a:spcPct val="0"/>
+              </a:spcAft>
+              <a:defRPr kumimoji="1">
+                <a:solidFill>
+                  <a:schemeClr val="tx1"/>
+                </a:solidFill>
+                <a:latin typeface="맑은 고딕" pitchFamily="34" charset="-127"/>
+                <a:ea typeface="굴림" pitchFamily="34" charset="-127"/>
+              </a:defRPr>
+            </a:lvl7pPr>
+            <a:lvl8pPr marL="3429000" indent="-228600" eaLnBrk="0" fontAlgn="base" hangingPunct="0">
+              <a:spcBef>
+                <a:spcPct val="0"/>
+              </a:spcBef>
+              <a:spcAft>
+                <a:spcPct val="0"/>
+              </a:spcAft>
+              <a:defRPr kumimoji="1">
+                <a:solidFill>
+                  <a:schemeClr val="tx1"/>
+                </a:solidFill>
+                <a:latin typeface="맑은 고딕" pitchFamily="34" charset="-127"/>
+                <a:ea typeface="굴림" pitchFamily="34" charset="-127"/>
+              </a:defRPr>
+            </a:lvl8pPr>
+            <a:lvl9pPr marL="3886200" indent="-228600" eaLnBrk="0" fontAlgn="base" hangingPunct="0">
+              <a:spcBef>
+                <a:spcPct val="0"/>
+              </a:spcBef>
+              <a:spcAft>
+                <a:spcPct val="0"/>
+              </a:spcAft>
+              <a:defRPr kumimoji="1">
+                <a:solidFill>
+                  <a:schemeClr val="tx1"/>
+                </a:solidFill>
+                <a:latin typeface="맑은 고딕" pitchFamily="34" charset="-127"/>
+                <a:ea typeface="굴림" pitchFamily="34" charset="-127"/>
+              </a:defRPr>
+            </a:lvl9pPr>
+          </a:lstStyle>
+          <a:p>
+            <a:fld id="{F94DE804-F275-431C-A820-302183C172F9}" type="slidenum">
+              <a:rPr kumimoji="0" lang="ko-KR" altLang="en-US" smtClean="0">
+                <a:ea typeface="맑은 고딕" pitchFamily="34" charset="-127"/>
+              </a:rPr>
+              <a:pPr/>
+              <a:t>5</a:t>
+            </a:fld>
+            <a:endParaRPr kumimoji="0" lang="ko-KR" altLang="en-US">
+              <a:ea typeface="맑은 고딕" pitchFamily="34" charset="-127"/>
+            </a:endParaRPr>
+          </a:p>
+        </p:txBody>
+      </p:sp>
+    </p:spTree>
+    <p:extLst>
+      <p:ext uri="{BB962C8B-B14F-4D97-AF65-F5344CB8AC3E}">
+        <p14:creationId xmlns:p14="http://schemas.microsoft.com/office/powerpoint/2010/main" val="3954677166"/>
+      </p:ext>
+    </p:extLst>
+  </p:cSld>
+  <p:clrMapOvr>
+    <a:masterClrMapping/>
+  </p:clrMapOvr>
+</p:notes>
+</file>
+
+<file path=ppt/notesSlides/notesSlide6.xml><?xml version="1.0" encoding="utf-8"?>
+<p:notes xmlns:a="http://schemas.openxmlformats.org/drawingml/2006/main" xmlns:r="http://schemas.openxmlformats.org/officeDocument/2006/relationships" xmlns:p="http://schemas.openxmlformats.org/presentationml/2006/main">
+  <p:cSld>
+    <p:spTree>
+      <p:nvGrpSpPr>
+        <p:cNvPr id="1" name=""/>
+        <p:cNvGrpSpPr/>
+        <p:nvPr/>
+      </p:nvGrpSpPr>
+      <p:grpSpPr>
+        <a:xfrm>
+          <a:off x="0" y="0"/>
+          <a:ext cx="0" cy="0"/>
+          <a:chOff x="0" y="0"/>
+          <a:chExt cx="0" cy="0"/>
+        </a:xfrm>
+      </p:grpSpPr>
+      <p:sp>
+        <p:nvSpPr>
+          <p:cNvPr id="41986" name="Slide Image Placeholder 1"/>
+          <p:cNvSpPr>
+            <a:spLocks noGrp="1" noRot="1" noChangeAspect="1" noTextEdit="1"/>
+          </p:cNvSpPr>
+          <p:nvPr>
+            <p:ph type="sldImg"/>
+          </p:nvPr>
+        </p:nvSpPr>
+        <p:spPr bwMode="auto">
+          <a:noFill/>
+          <a:ln>
+            <a:solidFill>
+              <a:srgbClr val="000000"/>
+            </a:solidFill>
+            <a:miter lim="800000"/>
+            <a:headEnd/>
+            <a:tailEnd/>
+          </a:ln>
+          <a:extLst>
+            <a:ext uri="{909E8E84-426E-40DD-AFC4-6F175D3DCCD1}">
+              <a14:hiddenFill xmlns:a14="http://schemas.microsoft.com/office/drawing/2010/main">
+                <a:solidFill>
+                  <a:srgbClr val="FFFFFF"/>
+                </a:solidFill>
+              </a14:hiddenFill>
+            </a:ext>
+          </a:extLst>
+        </p:spPr>
+      </p:sp>
+      <p:sp>
+        <p:nvSpPr>
+          <p:cNvPr id="41987" name="Notes Placeholder 2"/>
+          <p:cNvSpPr>
+            <a:spLocks noGrp="1"/>
+          </p:cNvSpPr>
+          <p:nvPr>
+            <p:ph type="body" idx="1"/>
+          </p:nvPr>
+        </p:nvSpPr>
+        <p:spPr bwMode="auto">
+          <a:noFill/>
+          <a:extLst>
+            <a:ext uri="{909E8E84-426E-40DD-AFC4-6F175D3DCCD1}">
+              <a14:hiddenFill xmlns:a14="http://schemas.microsoft.com/office/drawing/2010/main">
+                <a:solidFill>
+                  <a:srgbClr val="FFFFFF"/>
+                </a:solidFill>
+              </a14:hiddenFill>
+            </a:ext>
+            <a:ext uri="{91240B29-F687-4F45-9708-019B960494DF}">
+              <a14:hiddenLine xmlns:a14="http://schemas.microsoft.com/office/drawing/2010/main" w="9525">
+                <a:solidFill>
+                  <a:srgbClr val="000000"/>
+                </a:solidFill>
+                <a:miter lim="800000"/>
+                <a:headEnd/>
+                <a:tailEnd/>
+              </a14:hiddenLine>
+            </a:ext>
+          </a:extLst>
+        </p:spPr>
+        <p:txBody>
+          <a:bodyPr wrap="square" numCol="1" anchor="t" anchorCtr="0" compatLnSpc="1">
+            <a:prstTxWarp prst="textNoShape">
+              <a:avLst/>
+            </a:prstTxWarp>
+          </a:bodyPr>
+          <a:lstStyle/>
+          <a:p>
+            <a:r>
+              <a:rPr lang="en-US" dirty="0">
+                <a:ea typeface="맑은 고딕" pitchFamily="34" charset="-127"/>
+              </a:rPr>
+              <a:t>-This</a:t>
+            </a:r>
+            <a:r>
+              <a:rPr lang="en-US" baseline="0" dirty="0">
+                <a:ea typeface="맑은 고딕" pitchFamily="34" charset="-127"/>
+              </a:rPr>
+              <a:t> is the concept and RTL design of DSSS sub-system.</a:t>
+            </a:r>
+          </a:p>
+          <a:p>
+            <a:endParaRPr lang="en-US" dirty="0">
+              <a:ea typeface="맑은 고딕" pitchFamily="34" charset="-127"/>
+            </a:endParaRPr>
+          </a:p>
+        </p:txBody>
+      </p:sp>
+      <p:sp>
+        <p:nvSpPr>
+          <p:cNvPr id="41988" name="Slide Number Placeholder 3"/>
+          <p:cNvSpPr>
+            <a:spLocks noGrp="1"/>
+          </p:cNvSpPr>
+          <p:nvPr>
+            <p:ph type="sldNum" sz="quarter" idx="5"/>
+          </p:nvPr>
+        </p:nvSpPr>
+        <p:spPr bwMode="auto">
+          <a:noFill/>
+          <a:extLst>
+            <a:ext uri="{909E8E84-426E-40DD-AFC4-6F175D3DCCD1}">
+              <a14:hiddenFill xmlns:a14="http://schemas.microsoft.com/office/drawing/2010/main">
+                <a:solidFill>
+                  <a:srgbClr val="FFFFFF"/>
+                </a:solidFill>
+              </a14:hiddenFill>
+            </a:ext>
+            <a:ext uri="{91240B29-F687-4F45-9708-019B960494DF}">
+              <a14:hiddenLine xmlns:a14="http://schemas.microsoft.com/office/drawing/2010/main" w="9525">
+                <a:solidFill>
+                  <a:srgbClr val="000000"/>
+                </a:solidFill>
+                <a:miter lim="800000"/>
+                <a:headEnd/>
+                <a:tailEnd/>
+              </a14:hiddenLine>
+            </a:ext>
+          </a:extLst>
+        </p:spPr>
+        <p:txBody>
+          <a:bodyPr/>
+          <a:lstStyle>
+            <a:lvl1pPr>
+              <a:defRPr kumimoji="1">
+                <a:solidFill>
+                  <a:schemeClr val="tx1"/>
+                </a:solidFill>
+                <a:latin typeface="맑은 고딕" pitchFamily="34" charset="-127"/>
+                <a:ea typeface="굴림" pitchFamily="34" charset="-127"/>
+              </a:defRPr>
+            </a:lvl1pPr>
+            <a:lvl2pPr marL="742950" indent="-285750">
+              <a:defRPr kumimoji="1">
+                <a:solidFill>
+                  <a:schemeClr val="tx1"/>
+                </a:solidFill>
+                <a:latin typeface="맑은 고딕" pitchFamily="34" charset="-127"/>
+                <a:ea typeface="굴림" pitchFamily="34" charset="-127"/>
+              </a:defRPr>
+            </a:lvl2pPr>
+            <a:lvl3pPr marL="1143000" indent="-228600">
+              <a:defRPr kumimoji="1">
+                <a:solidFill>
+                  <a:schemeClr val="tx1"/>
+                </a:solidFill>
+                <a:latin typeface="맑은 고딕" pitchFamily="34" charset="-127"/>
+                <a:ea typeface="굴림" pitchFamily="34" charset="-127"/>
+              </a:defRPr>
+            </a:lvl3pPr>
+            <a:lvl4pPr marL="1600200" indent="-228600">
+              <a:defRPr kumimoji="1">
+                <a:solidFill>
+                  <a:schemeClr val="tx1"/>
+                </a:solidFill>
+                <a:latin typeface="맑은 고딕" pitchFamily="34" charset="-127"/>
+                <a:ea typeface="굴림" pitchFamily="34" charset="-127"/>
+              </a:defRPr>
+            </a:lvl4pPr>
+            <a:lvl5pPr marL="2057400" indent="-228600">
+              <a:defRPr kumimoji="1">
+                <a:solidFill>
+                  <a:schemeClr val="tx1"/>
+                </a:solidFill>
+                <a:latin typeface="맑은 고딕" pitchFamily="34" charset="-127"/>
+                <a:ea typeface="굴림" pitchFamily="34" charset="-127"/>
+              </a:defRPr>
+            </a:lvl5pPr>
+            <a:lvl6pPr marL="2514600" indent="-228600" eaLnBrk="0" fontAlgn="base" hangingPunct="0">
+              <a:spcBef>
+                <a:spcPct val="0"/>
+              </a:spcBef>
+              <a:spcAft>
+                <a:spcPct val="0"/>
+              </a:spcAft>
+              <a:defRPr kumimoji="1">
+                <a:solidFill>
+                  <a:schemeClr val="tx1"/>
+                </a:solidFill>
+                <a:latin typeface="맑은 고딕" pitchFamily="34" charset="-127"/>
+                <a:ea typeface="굴림" pitchFamily="34" charset="-127"/>
+              </a:defRPr>
+            </a:lvl6pPr>
+            <a:lvl7pPr marL="2971800" indent="-228600" eaLnBrk="0" fontAlgn="base" hangingPunct="0">
+              <a:spcBef>
+                <a:spcPct val="0"/>
+              </a:spcBef>
+              <a:spcAft>
+                <a:spcPct val="0"/>
+              </a:spcAft>
+              <a:defRPr kumimoji="1">
+                <a:solidFill>
+                  <a:schemeClr val="tx1"/>
+                </a:solidFill>
+                <a:latin typeface="맑은 고딕" pitchFamily="34" charset="-127"/>
+                <a:ea typeface="굴림" pitchFamily="34" charset="-127"/>
+              </a:defRPr>
+            </a:lvl7pPr>
+            <a:lvl8pPr marL="3429000" indent="-228600" eaLnBrk="0" fontAlgn="base" hangingPunct="0">
+              <a:spcBef>
+                <a:spcPct val="0"/>
+              </a:spcBef>
+              <a:spcAft>
+                <a:spcPct val="0"/>
+              </a:spcAft>
+              <a:defRPr kumimoji="1">
+                <a:solidFill>
+                  <a:schemeClr val="tx1"/>
+                </a:solidFill>
+                <a:latin typeface="맑은 고딕" pitchFamily="34" charset="-127"/>
+                <a:ea typeface="굴림" pitchFamily="34" charset="-127"/>
+              </a:defRPr>
+            </a:lvl8pPr>
+            <a:lvl9pPr marL="3886200" indent="-228600" eaLnBrk="0" fontAlgn="base" hangingPunct="0">
+              <a:spcBef>
+                <a:spcPct val="0"/>
+              </a:spcBef>
+              <a:spcAft>
+                <a:spcPct val="0"/>
+              </a:spcAft>
+              <a:defRPr kumimoji="1">
+                <a:solidFill>
+                  <a:schemeClr val="tx1"/>
+                </a:solidFill>
+                <a:latin typeface="맑은 고딕" pitchFamily="34" charset="-127"/>
+                <a:ea typeface="굴림" pitchFamily="34" charset="-127"/>
+              </a:defRPr>
+            </a:lvl9pPr>
+          </a:lstStyle>
+          <a:p>
+            <a:fld id="{F94DE804-F275-431C-A820-302183C172F9}" type="slidenum">
+              <a:rPr kumimoji="0" lang="ko-KR" altLang="en-US" smtClean="0">
+                <a:ea typeface="맑은 고딕" pitchFamily="34" charset="-127"/>
+              </a:rPr>
+              <a:pPr/>
+              <a:t>6</a:t>
             </a:fld>
             <a:endParaRPr kumimoji="0" lang="ko-KR" altLang="en-US">
               <a:ea typeface="맑은 고딕" pitchFamily="34" charset="-127"/>
@@ -1710,7 +2250,7 @@
           <a:p>
             <a:fld id="{9B6B108B-93E1-4EB7-884C-D02BED291A9F}" type="datetimeFigureOut">
               <a:rPr lang="en-US" smtClean="0"/>
-              <a:t>6/9/2022</a:t>
+              <a:t>6/11/2022</a:t>
             </a:fld>
             <a:endParaRPr lang="en-US"/>
           </a:p>
@@ -1908,7 +2448,7 @@
           <a:p>
             <a:fld id="{9B6B108B-93E1-4EB7-884C-D02BED291A9F}" type="datetimeFigureOut">
               <a:rPr lang="en-US" smtClean="0"/>
-              <a:t>6/9/2022</a:t>
+              <a:t>6/11/2022</a:t>
             </a:fld>
             <a:endParaRPr lang="en-US"/>
           </a:p>
@@ -2116,7 +2656,7 @@
           <a:p>
             <a:fld id="{9B6B108B-93E1-4EB7-884C-D02BED291A9F}" type="datetimeFigureOut">
               <a:rPr lang="en-US" smtClean="0"/>
-              <a:t>6/9/2022</a:t>
+              <a:t>6/11/2022</a:t>
             </a:fld>
             <a:endParaRPr lang="en-US"/>
           </a:p>
@@ -3065,7 +3605,7 @@
           <a:p>
             <a:fld id="{9B6B108B-93E1-4EB7-884C-D02BED291A9F}" type="datetimeFigureOut">
               <a:rPr lang="en-US" smtClean="0"/>
-              <a:t>6/9/2022</a:t>
+              <a:t>6/11/2022</a:t>
             </a:fld>
             <a:endParaRPr lang="en-US"/>
           </a:p>
@@ -3340,7 +3880,7 @@
           <a:p>
             <a:fld id="{9B6B108B-93E1-4EB7-884C-D02BED291A9F}" type="datetimeFigureOut">
               <a:rPr lang="en-US" smtClean="0"/>
-              <a:t>6/9/2022</a:t>
+              <a:t>6/11/2022</a:t>
             </a:fld>
             <a:endParaRPr lang="en-US"/>
           </a:p>
@@ -3605,7 +4145,7 @@
           <a:p>
             <a:fld id="{9B6B108B-93E1-4EB7-884C-D02BED291A9F}" type="datetimeFigureOut">
               <a:rPr lang="en-US" smtClean="0"/>
-              <a:t>6/9/2022</a:t>
+              <a:t>6/11/2022</a:t>
             </a:fld>
             <a:endParaRPr lang="en-US"/>
           </a:p>
@@ -4017,7 +4557,7 @@
           <a:p>
             <a:fld id="{9B6B108B-93E1-4EB7-884C-D02BED291A9F}" type="datetimeFigureOut">
               <a:rPr lang="en-US" smtClean="0"/>
-              <a:t>6/9/2022</a:t>
+              <a:t>6/11/2022</a:t>
             </a:fld>
             <a:endParaRPr lang="en-US"/>
           </a:p>
@@ -4158,7 +4698,7 @@
           <a:p>
             <a:fld id="{9B6B108B-93E1-4EB7-884C-D02BED291A9F}" type="datetimeFigureOut">
               <a:rPr lang="en-US" smtClean="0"/>
-              <a:t>6/9/2022</a:t>
+              <a:t>6/11/2022</a:t>
             </a:fld>
             <a:endParaRPr lang="en-US"/>
           </a:p>
@@ -4271,7 +4811,7 @@
           <a:p>
             <a:fld id="{9B6B108B-93E1-4EB7-884C-D02BED291A9F}" type="datetimeFigureOut">
               <a:rPr lang="en-US" smtClean="0"/>
-              <a:t>6/9/2022</a:t>
+              <a:t>6/11/2022</a:t>
             </a:fld>
             <a:endParaRPr lang="en-US"/>
           </a:p>
@@ -4582,7 +5122,7 @@
           <a:p>
             <a:fld id="{9B6B108B-93E1-4EB7-884C-D02BED291A9F}" type="datetimeFigureOut">
               <a:rPr lang="en-US" smtClean="0"/>
-              <a:t>6/9/2022</a:t>
+              <a:t>6/11/2022</a:t>
             </a:fld>
             <a:endParaRPr lang="en-US"/>
           </a:p>
@@ -4870,7 +5410,7 @@
           <a:p>
             <a:fld id="{9B6B108B-93E1-4EB7-884C-D02BED291A9F}" type="datetimeFigureOut">
               <a:rPr lang="en-US" smtClean="0"/>
-              <a:t>6/9/2022</a:t>
+              <a:t>6/11/2022</a:t>
             </a:fld>
             <a:endParaRPr lang="en-US"/>
           </a:p>
@@ -5117,7 +5657,7 @@
           <a:p>
             <a:fld id="{9B6B108B-93E1-4EB7-884C-D02BED291A9F}" type="datetimeFigureOut">
               <a:rPr lang="en-US" smtClean="0"/>
-              <a:t>6/9/2022</a:t>
+              <a:t>6/11/2022</a:t>
             </a:fld>
             <a:endParaRPr lang="en-US"/>
           </a:p>
@@ -5519,7 +6059,7 @@
 </file>
 
 <file path=ppt/slides/slide1.xml><?xml version="1.0" encoding="utf-8"?>
-<p:sld xmlns:a="http://schemas.openxmlformats.org/drawingml/2006/main" xmlns:r="http://schemas.openxmlformats.org/officeDocument/2006/relationships" xmlns:p="http://schemas.openxmlformats.org/presentationml/2006/main" showMasterSp="0">
+<p:sld xmlns:a="http://schemas.openxmlformats.org/drawingml/2006/main" xmlns:r="http://schemas.openxmlformats.org/officeDocument/2006/relationships" xmlns:p="http://schemas.openxmlformats.org/presentationml/2006/main">
   <p:cSld>
     <p:spTree>
       <p:nvGrpSpPr>
@@ -5583,132 +6123,65 @@
           </a:xfrm>
         </p:spPr>
         <p:txBody>
-          <a:bodyPr/>
+          <a:bodyPr>
+            <a:normAutofit/>
+          </a:bodyPr>
           <a:lstStyle/>
           <a:p>
             <a:r>
-              <a:rPr lang="en-US" sz="2800" b="1" dirty="0">
+              <a:rPr lang="en-US" sz="2400" b="1" dirty="0">
                 <a:latin typeface="Arial" panose="020B0604020202020204" pitchFamily="34" charset="0"/>
                 <a:ea typeface="Tahoma" pitchFamily="34" charset="0"/>
                 <a:cs typeface="Arial" panose="020B0604020202020204" pitchFamily="34" charset="0"/>
               </a:rPr>
-              <a:t>C4. Load and manipulate image with PIL</a:t>
-            </a:r>
-          </a:p>
-          <a:p>
-            <a:r>
-              <a:rPr lang="en-US" sz="2800" b="1" dirty="0">
+              <a:t>C0. Purpose of tutorial</a:t>
+            </a:r>
+          </a:p>
+          <a:p>
+            <a:r>
+              <a:rPr lang="en-US" sz="2400" b="1" dirty="0">
                 <a:latin typeface="Arial" panose="020B0604020202020204" pitchFamily="34" charset="0"/>
                 <a:ea typeface="Tahoma" pitchFamily="34" charset="0"/>
                 <a:cs typeface="Arial" panose="020B0604020202020204" pitchFamily="34" charset="0"/>
               </a:rPr>
-              <a:t>C5. Manually sca</a:t>
-            </a:r>
-            <a:r>
-              <a:rPr lang="en-US" b="1" dirty="0">
+              <a:t>C1. What is computer vision?</a:t>
+            </a:r>
+          </a:p>
+          <a:p>
+            <a:r>
+              <a:rPr lang="en-US" sz="2400" b="1" dirty="0">
                 <a:latin typeface="Arial" panose="020B0604020202020204" pitchFamily="34" charset="0"/>
                 <a:ea typeface="Tahoma" pitchFamily="34" charset="0"/>
                 <a:cs typeface="Arial" panose="020B0604020202020204" pitchFamily="34" charset="0"/>
               </a:rPr>
-              <a:t>le image</a:t>
-            </a:r>
-            <a:endParaRPr lang="en-US" sz="2800" b="1" dirty="0">
-              <a:latin typeface="Arial" panose="020B0604020202020204" pitchFamily="34" charset="0"/>
-              <a:ea typeface="Tahoma" pitchFamily="34" charset="0"/>
-              <a:cs typeface="Arial" panose="020B0604020202020204" pitchFamily="34" charset="0"/>
-            </a:endParaRPr>
-          </a:p>
-          <a:p>
-            <a:r>
-              <a:rPr lang="en-US" sz="2800" b="1" dirty="0">
+              <a:t>C2. Promise of Deep learning for computer vision</a:t>
+            </a:r>
+          </a:p>
+          <a:p>
+            <a:r>
+              <a:rPr lang="en-US" sz="2400" b="1" dirty="0">
                 <a:latin typeface="Arial" panose="020B0604020202020204" pitchFamily="34" charset="0"/>
                 <a:ea typeface="Tahoma" pitchFamily="34" charset="0"/>
                 <a:cs typeface="Arial" panose="020B0604020202020204" pitchFamily="34" charset="0"/>
               </a:rPr>
-              <a:t>C6. Load and manipulate image with </a:t>
-            </a:r>
-            <a:r>
-              <a:rPr lang="en-US" sz="2800" b="1" dirty="0" err="1">
+              <a:t>C3. How to Develop Deep learning model with </a:t>
+            </a:r>
+            <a:r>
+              <a:rPr lang="en-US" sz="2400" b="1" dirty="0" err="1">
                 <a:latin typeface="Arial" panose="020B0604020202020204" pitchFamily="34" charset="0"/>
                 <a:ea typeface="Tahoma" pitchFamily="34" charset="0"/>
                 <a:cs typeface="Arial" panose="020B0604020202020204" pitchFamily="34" charset="0"/>
               </a:rPr>
               <a:t>Keras</a:t>
             </a:r>
-            <a:endParaRPr lang="en-US" sz="2800" b="1" dirty="0">
-              <a:latin typeface="Arial" panose="020B0604020202020204" pitchFamily="34" charset="0"/>
-              <a:ea typeface="Tahoma" pitchFamily="34" charset="0"/>
-              <a:cs typeface="Arial" panose="020B0604020202020204" pitchFamily="34" charset="0"/>
-            </a:endParaRPr>
-          </a:p>
-          <a:p>
-            <a:r>
-              <a:rPr lang="en-US" b="1" dirty="0">
+            <a:r>
+              <a:rPr lang="en-US" sz="2400" b="1" dirty="0">
                 <a:latin typeface="Arial" panose="020B0604020202020204" pitchFamily="34" charset="0"/>
                 <a:ea typeface="Tahoma" pitchFamily="34" charset="0"/>
                 <a:cs typeface="Arial" panose="020B0604020202020204" pitchFamily="34" charset="0"/>
               </a:rPr>
-              <a:t>C7. Scale image pixel data with </a:t>
-            </a:r>
-            <a:r>
-              <a:rPr lang="en-US" b="1" dirty="0" err="1">
-                <a:latin typeface="Arial" panose="020B0604020202020204" pitchFamily="34" charset="0"/>
-                <a:ea typeface="Tahoma" pitchFamily="34" charset="0"/>
-                <a:cs typeface="Arial" panose="020B0604020202020204" pitchFamily="34" charset="0"/>
-              </a:rPr>
-              <a:t>Keras</a:t>
-            </a:r>
-            <a:endParaRPr lang="en-US" b="1" dirty="0">
-              <a:latin typeface="Arial" panose="020B0604020202020204" pitchFamily="34" charset="0"/>
-              <a:ea typeface="Tahoma" pitchFamily="34" charset="0"/>
-              <a:cs typeface="Arial" panose="020B0604020202020204" pitchFamily="34" charset="0"/>
-            </a:endParaRPr>
-          </a:p>
-          <a:p>
-            <a:r>
-              <a:rPr lang="en-US" sz="2800" b="1" dirty="0">
-                <a:latin typeface="Arial" panose="020B0604020202020204" pitchFamily="34" charset="0"/>
-                <a:ea typeface="Tahoma" pitchFamily="34" charset="0"/>
-                <a:cs typeface="Arial" panose="020B0604020202020204" pitchFamily="34" charset="0"/>
-              </a:rPr>
-              <a:t>C8. Load large datasets from directory with </a:t>
-            </a:r>
-            <a:r>
-              <a:rPr lang="en-US" sz="2800" b="1" dirty="0" err="1">
-                <a:latin typeface="Arial" panose="020B0604020202020204" pitchFamily="34" charset="0"/>
-                <a:ea typeface="Tahoma" pitchFamily="34" charset="0"/>
-                <a:cs typeface="Arial" panose="020B0604020202020204" pitchFamily="34" charset="0"/>
-              </a:rPr>
-              <a:t>Keras</a:t>
-            </a:r>
-            <a:endParaRPr lang="en-US" sz="2800" b="1" dirty="0">
-              <a:latin typeface="Arial" panose="020B0604020202020204" pitchFamily="34" charset="0"/>
-              <a:ea typeface="Tahoma" pitchFamily="34" charset="0"/>
-              <a:cs typeface="Arial" panose="020B0604020202020204" pitchFamily="34" charset="0"/>
-            </a:endParaRPr>
-          </a:p>
-          <a:p>
-            <a:r>
-              <a:rPr lang="en-US" b="1" dirty="0">
-                <a:latin typeface="Arial" panose="020B0604020202020204" pitchFamily="34" charset="0"/>
-                <a:ea typeface="Tahoma" pitchFamily="34" charset="0"/>
-                <a:cs typeface="Arial" panose="020B0604020202020204" pitchFamily="34" charset="0"/>
-              </a:rPr>
-              <a:t>C9. Use image data augmentation in </a:t>
-            </a:r>
-            <a:r>
-              <a:rPr lang="en-US" b="1" dirty="0" err="1">
-                <a:latin typeface="Arial" panose="020B0604020202020204" pitchFamily="34" charset="0"/>
-                <a:ea typeface="Tahoma" pitchFamily="34" charset="0"/>
-                <a:cs typeface="Arial" panose="020B0604020202020204" pitchFamily="34" charset="0"/>
-              </a:rPr>
-              <a:t>Keras</a:t>
-            </a:r>
-            <a:endParaRPr lang="en-US" sz="2800" b="1" dirty="0">
-              <a:latin typeface="Arial" panose="020B0604020202020204" pitchFamily="34" charset="0"/>
-              <a:ea typeface="Tahoma" pitchFamily="34" charset="0"/>
-              <a:cs typeface="Arial" panose="020B0604020202020204" pitchFamily="34" charset="0"/>
-            </a:endParaRPr>
+              <a:t>?</a:t>
+            </a:r>
           </a:p>
         </p:txBody>
       </p:sp>
@@ -5876,7 +6349,7 @@
     </p:spTree>
     <p:extLst>
       <p:ext uri="{BB962C8B-B14F-4D97-AF65-F5344CB8AC3E}">
-        <p14:creationId xmlns:p14="http://schemas.microsoft.com/office/powerpoint/2010/main" val="752870673"/>
+        <p14:creationId xmlns:p14="http://schemas.microsoft.com/office/powerpoint/2010/main" val="2845538963"/>
       </p:ext>
     </p:extLst>
   </p:cSld>
@@ -5935,7 +6408,7 @@
                 <a:ea typeface="Tahoma" pitchFamily="34" charset="0"/>
                 <a:cs typeface="Arial" panose="020B0604020202020204" pitchFamily="34" charset="0"/>
               </a:rPr>
-              <a:t>C4. Load and manipulate image with PIL</a:t>
+              <a:t>C1. ~ </a:t>
             </a:r>
           </a:p>
         </p:txBody>
@@ -6098,6 +6571,632 @@
               </a:rPr>
               <a:pPr algn="r" eaLnBrk="1" latinLnBrk="1" hangingPunct="1"/>
               <a:t>2</a:t>
+            </a:fld>
+            <a:endParaRPr kumimoji="0" lang="ko-KR" altLang="en-US" sz="1200" b="1">
+              <a:latin typeface="굴림체" pitchFamily="49" charset="-127"/>
+              <a:ea typeface="굴림체" pitchFamily="49" charset="-127"/>
+            </a:endParaRPr>
+          </a:p>
+        </p:txBody>
+      </p:sp>
+      <p:sp>
+        <p:nvSpPr>
+          <p:cNvPr id="9" name="Text Placeholder 2">
+            <a:extLst>
+              <a:ext uri="{FF2B5EF4-FFF2-40B4-BE49-F238E27FC236}">
+                <a16:creationId xmlns:a16="http://schemas.microsoft.com/office/drawing/2014/main" id="{7D468F2B-B240-D981-45F1-BE48EB546D7D}"/>
+              </a:ext>
+            </a:extLst>
+          </p:cNvPr>
+          <p:cNvSpPr>
+            <a:spLocks noGrp="1"/>
+          </p:cNvSpPr>
+          <p:nvPr>
+            <p:ph type="body" idx="4294967295"/>
+          </p:nvPr>
+        </p:nvSpPr>
+        <p:spPr>
+          <a:xfrm>
+            <a:off x="609600" y="1124745"/>
+            <a:ext cx="10972800" cy="5001419"/>
+          </a:xfrm>
+        </p:spPr>
+        <p:txBody>
+          <a:bodyPr/>
+          <a:lstStyle/>
+          <a:p>
+            <a:r>
+              <a:rPr lang="en-US" dirty="0">
+                <a:latin typeface="Arial" panose="020B0604020202020204" pitchFamily="34" charset="0"/>
+                <a:cs typeface="Arial" panose="020B0604020202020204" pitchFamily="34" charset="0"/>
+              </a:rPr>
+              <a:t>A</a:t>
+            </a:r>
+          </a:p>
+        </p:txBody>
+      </p:sp>
+    </p:spTree>
+    <p:extLst>
+      <p:ext uri="{BB962C8B-B14F-4D97-AF65-F5344CB8AC3E}">
+        <p14:creationId xmlns:p14="http://schemas.microsoft.com/office/powerpoint/2010/main" val="706380588"/>
+      </p:ext>
+    </p:extLst>
+  </p:cSld>
+  <p:clrMapOvr>
+    <a:masterClrMapping/>
+  </p:clrMapOvr>
+</p:sld>
+</file>
+
+<file path=ppt/slides/slide3.xml><?xml version="1.0" encoding="utf-8"?>
+<p:sld xmlns:a="http://schemas.openxmlformats.org/drawingml/2006/main" xmlns:r="http://schemas.openxmlformats.org/officeDocument/2006/relationships" xmlns:p="http://schemas.openxmlformats.org/presentationml/2006/main" showMasterSp="0">
+  <p:cSld>
+    <p:spTree>
+      <p:nvGrpSpPr>
+        <p:cNvPr id="1" name=""/>
+        <p:cNvGrpSpPr/>
+        <p:nvPr/>
+      </p:nvGrpSpPr>
+      <p:grpSpPr>
+        <a:xfrm>
+          <a:off x="0" y="0"/>
+          <a:ext cx="0" cy="0"/>
+          <a:chOff x="0" y="0"/>
+          <a:chExt cx="0" cy="0"/>
+        </a:xfrm>
+      </p:grpSpPr>
+      <p:sp>
+        <p:nvSpPr>
+          <p:cNvPr id="14338" name="Title 1"/>
+          <p:cNvSpPr>
+            <a:spLocks noGrp="1"/>
+          </p:cNvSpPr>
+          <p:nvPr>
+            <p:ph type="title"/>
+          </p:nvPr>
+        </p:nvSpPr>
+        <p:spPr>
+          <a:xfrm>
+            <a:off x="0" y="115889"/>
+            <a:ext cx="12192000" cy="720725"/>
+          </a:xfrm>
+        </p:spPr>
+        <p:txBody>
+          <a:bodyPr/>
+          <a:lstStyle/>
+          <a:p>
+            <a:r>
+              <a:rPr lang="en-US" sz="3600" b="1" dirty="0">
+                <a:latin typeface="Arial" panose="020B0604020202020204" pitchFamily="34" charset="0"/>
+                <a:ea typeface="Tahoma" pitchFamily="34" charset="0"/>
+                <a:cs typeface="Arial" panose="020B0604020202020204" pitchFamily="34" charset="0"/>
+              </a:rPr>
+              <a:t>Contents</a:t>
+            </a:r>
+          </a:p>
+        </p:txBody>
+      </p:sp>
+      <p:sp>
+        <p:nvSpPr>
+          <p:cNvPr id="14339" name="Text Placeholder 2"/>
+          <p:cNvSpPr>
+            <a:spLocks noGrp="1"/>
+          </p:cNvSpPr>
+          <p:nvPr>
+            <p:ph type="body" idx="4294967295"/>
+          </p:nvPr>
+        </p:nvSpPr>
+        <p:spPr>
+          <a:xfrm>
+            <a:off x="609600" y="1125538"/>
+            <a:ext cx="10972800" cy="4464050"/>
+          </a:xfrm>
+        </p:spPr>
+        <p:txBody>
+          <a:bodyPr>
+            <a:normAutofit/>
+          </a:bodyPr>
+          <a:lstStyle/>
+          <a:p>
+            <a:r>
+              <a:rPr lang="en-US" sz="2400" b="1" dirty="0">
+                <a:latin typeface="Arial" panose="020B0604020202020204" pitchFamily="34" charset="0"/>
+                <a:ea typeface="Tahoma" pitchFamily="34" charset="0"/>
+                <a:cs typeface="Arial" panose="020B0604020202020204" pitchFamily="34" charset="0"/>
+              </a:rPr>
+              <a:t>C4. Load and manipulate image with PIL</a:t>
+            </a:r>
+          </a:p>
+          <a:p>
+            <a:r>
+              <a:rPr lang="en-US" sz="2400" b="1" dirty="0">
+                <a:latin typeface="Arial" panose="020B0604020202020204" pitchFamily="34" charset="0"/>
+                <a:ea typeface="Tahoma" pitchFamily="34" charset="0"/>
+                <a:cs typeface="Arial" panose="020B0604020202020204" pitchFamily="34" charset="0"/>
+              </a:rPr>
+              <a:t>C5. Manually scale image</a:t>
+            </a:r>
+          </a:p>
+          <a:p>
+            <a:r>
+              <a:rPr lang="en-US" sz="2400" b="1" dirty="0">
+                <a:latin typeface="Arial" panose="020B0604020202020204" pitchFamily="34" charset="0"/>
+                <a:ea typeface="Tahoma" pitchFamily="34" charset="0"/>
+                <a:cs typeface="Arial" panose="020B0604020202020204" pitchFamily="34" charset="0"/>
+              </a:rPr>
+              <a:t>C6. Load and manipulate image with </a:t>
+            </a:r>
+            <a:r>
+              <a:rPr lang="en-US" sz="2400" b="1" dirty="0" err="1">
+                <a:latin typeface="Arial" panose="020B0604020202020204" pitchFamily="34" charset="0"/>
+                <a:ea typeface="Tahoma" pitchFamily="34" charset="0"/>
+                <a:cs typeface="Arial" panose="020B0604020202020204" pitchFamily="34" charset="0"/>
+              </a:rPr>
+              <a:t>Keras</a:t>
+            </a:r>
+            <a:endParaRPr lang="en-US" sz="2400" b="1" dirty="0">
+              <a:latin typeface="Arial" panose="020B0604020202020204" pitchFamily="34" charset="0"/>
+              <a:ea typeface="Tahoma" pitchFamily="34" charset="0"/>
+              <a:cs typeface="Arial" panose="020B0604020202020204" pitchFamily="34" charset="0"/>
+            </a:endParaRPr>
+          </a:p>
+          <a:p>
+            <a:r>
+              <a:rPr lang="en-US" sz="2400" b="1" dirty="0">
+                <a:latin typeface="Arial" panose="020B0604020202020204" pitchFamily="34" charset="0"/>
+                <a:ea typeface="Tahoma" pitchFamily="34" charset="0"/>
+                <a:cs typeface="Arial" panose="020B0604020202020204" pitchFamily="34" charset="0"/>
+              </a:rPr>
+              <a:t>C7. Scale image pixel data with </a:t>
+            </a:r>
+            <a:r>
+              <a:rPr lang="en-US" sz="2400" b="1" dirty="0" err="1">
+                <a:latin typeface="Arial" panose="020B0604020202020204" pitchFamily="34" charset="0"/>
+                <a:ea typeface="Tahoma" pitchFamily="34" charset="0"/>
+                <a:cs typeface="Arial" panose="020B0604020202020204" pitchFamily="34" charset="0"/>
+              </a:rPr>
+              <a:t>Keras</a:t>
+            </a:r>
+            <a:endParaRPr lang="en-US" sz="2400" b="1" dirty="0">
+              <a:latin typeface="Arial" panose="020B0604020202020204" pitchFamily="34" charset="0"/>
+              <a:ea typeface="Tahoma" pitchFamily="34" charset="0"/>
+              <a:cs typeface="Arial" panose="020B0604020202020204" pitchFamily="34" charset="0"/>
+            </a:endParaRPr>
+          </a:p>
+          <a:p>
+            <a:r>
+              <a:rPr lang="en-US" sz="2400" b="1" dirty="0">
+                <a:latin typeface="Arial" panose="020B0604020202020204" pitchFamily="34" charset="0"/>
+                <a:ea typeface="Tahoma" pitchFamily="34" charset="0"/>
+                <a:cs typeface="Arial" panose="020B0604020202020204" pitchFamily="34" charset="0"/>
+              </a:rPr>
+              <a:t>C8. Load large datasets from directory with </a:t>
+            </a:r>
+            <a:r>
+              <a:rPr lang="en-US" sz="2400" b="1" dirty="0" err="1">
+                <a:latin typeface="Arial" panose="020B0604020202020204" pitchFamily="34" charset="0"/>
+                <a:ea typeface="Tahoma" pitchFamily="34" charset="0"/>
+                <a:cs typeface="Arial" panose="020B0604020202020204" pitchFamily="34" charset="0"/>
+              </a:rPr>
+              <a:t>Keras</a:t>
+            </a:r>
+            <a:endParaRPr lang="en-US" sz="2400" b="1" dirty="0">
+              <a:latin typeface="Arial" panose="020B0604020202020204" pitchFamily="34" charset="0"/>
+              <a:ea typeface="Tahoma" pitchFamily="34" charset="0"/>
+              <a:cs typeface="Arial" panose="020B0604020202020204" pitchFamily="34" charset="0"/>
+            </a:endParaRPr>
+          </a:p>
+          <a:p>
+            <a:r>
+              <a:rPr lang="en-US" sz="2400" b="1" dirty="0">
+                <a:latin typeface="Arial" panose="020B0604020202020204" pitchFamily="34" charset="0"/>
+                <a:ea typeface="Tahoma" pitchFamily="34" charset="0"/>
+                <a:cs typeface="Arial" panose="020B0604020202020204" pitchFamily="34" charset="0"/>
+              </a:rPr>
+              <a:t>C9. Use image data augmentation in </a:t>
+            </a:r>
+            <a:r>
+              <a:rPr lang="en-US" sz="2400" b="1" dirty="0" err="1">
+                <a:latin typeface="Arial" panose="020B0604020202020204" pitchFamily="34" charset="0"/>
+                <a:ea typeface="Tahoma" pitchFamily="34" charset="0"/>
+                <a:cs typeface="Arial" panose="020B0604020202020204" pitchFamily="34" charset="0"/>
+              </a:rPr>
+              <a:t>Keras</a:t>
+            </a:r>
+            <a:endParaRPr lang="en-US" sz="2400" b="1" dirty="0">
+              <a:latin typeface="Arial" panose="020B0604020202020204" pitchFamily="34" charset="0"/>
+              <a:ea typeface="Tahoma" pitchFamily="34" charset="0"/>
+              <a:cs typeface="Arial" panose="020B0604020202020204" pitchFamily="34" charset="0"/>
+            </a:endParaRPr>
+          </a:p>
+        </p:txBody>
+      </p:sp>
+      <p:sp>
+        <p:nvSpPr>
+          <p:cNvPr id="14340" name="Slide Number Placeholder 3"/>
+          <p:cNvSpPr>
+            <a:spLocks noGrp="1"/>
+          </p:cNvSpPr>
+          <p:nvPr>
+            <p:ph type="sldNum" sz="quarter" idx="10"/>
+          </p:nvPr>
+        </p:nvSpPr>
+        <p:spPr bwMode="auto">
+          <a:xfrm>
+            <a:off x="9264651" y="6381751"/>
+            <a:ext cx="2844800" cy="365125"/>
+          </a:xfrm>
+          <a:noFill/>
+          <a:extLst>
+            <a:ext uri="{909E8E84-426E-40DD-AFC4-6F175D3DCCD1}">
+              <a14:hiddenFill xmlns:a14="http://schemas.microsoft.com/office/drawing/2010/main">
+                <a:solidFill>
+                  <a:srgbClr val="FFFFFF"/>
+                </a:solidFill>
+              </a14:hiddenFill>
+            </a:ext>
+            <a:ext uri="{91240B29-F687-4F45-9708-019B960494DF}">
+              <a14:hiddenLine xmlns:a14="http://schemas.microsoft.com/office/drawing/2010/main" w="9525">
+                <a:solidFill>
+                  <a:srgbClr val="000000"/>
+                </a:solidFill>
+                <a:miter lim="800000"/>
+                <a:headEnd/>
+                <a:tailEnd/>
+              </a14:hiddenLine>
+            </a:ext>
+          </a:extLst>
+        </p:spPr>
+        <p:txBody>
+          <a:bodyPr/>
+          <a:lstStyle>
+            <a:lvl1pPr>
+              <a:defRPr kumimoji="1">
+                <a:solidFill>
+                  <a:schemeClr val="tx1"/>
+                </a:solidFill>
+                <a:latin typeface="맑은 고딕" pitchFamily="34" charset="-127"/>
+                <a:ea typeface="굴림" pitchFamily="34" charset="-127"/>
+              </a:defRPr>
+            </a:lvl1pPr>
+            <a:lvl2pPr marL="742950" indent="-285750">
+              <a:defRPr kumimoji="1">
+                <a:solidFill>
+                  <a:schemeClr val="tx1"/>
+                </a:solidFill>
+                <a:latin typeface="맑은 고딕" pitchFamily="34" charset="-127"/>
+                <a:ea typeface="굴림" pitchFamily="34" charset="-127"/>
+              </a:defRPr>
+            </a:lvl2pPr>
+            <a:lvl3pPr marL="1143000" indent="-228600">
+              <a:defRPr kumimoji="1">
+                <a:solidFill>
+                  <a:schemeClr val="tx1"/>
+                </a:solidFill>
+                <a:latin typeface="맑은 고딕" pitchFamily="34" charset="-127"/>
+                <a:ea typeface="굴림" pitchFamily="34" charset="-127"/>
+              </a:defRPr>
+            </a:lvl3pPr>
+            <a:lvl4pPr marL="1600200" indent="-228600">
+              <a:defRPr kumimoji="1">
+                <a:solidFill>
+                  <a:schemeClr val="tx1"/>
+                </a:solidFill>
+                <a:latin typeface="맑은 고딕" pitchFamily="34" charset="-127"/>
+                <a:ea typeface="굴림" pitchFamily="34" charset="-127"/>
+              </a:defRPr>
+            </a:lvl4pPr>
+            <a:lvl5pPr marL="2057400" indent="-228600">
+              <a:defRPr kumimoji="1">
+                <a:solidFill>
+                  <a:schemeClr val="tx1"/>
+                </a:solidFill>
+                <a:latin typeface="맑은 고딕" pitchFamily="34" charset="-127"/>
+                <a:ea typeface="굴림" pitchFamily="34" charset="-127"/>
+              </a:defRPr>
+            </a:lvl5pPr>
+            <a:lvl6pPr marL="2514600" indent="-228600" eaLnBrk="0" fontAlgn="base" hangingPunct="0">
+              <a:spcBef>
+                <a:spcPct val="0"/>
+              </a:spcBef>
+              <a:spcAft>
+                <a:spcPct val="0"/>
+              </a:spcAft>
+              <a:defRPr kumimoji="1">
+                <a:solidFill>
+                  <a:schemeClr val="tx1"/>
+                </a:solidFill>
+                <a:latin typeface="맑은 고딕" pitchFamily="34" charset="-127"/>
+                <a:ea typeface="굴림" pitchFamily="34" charset="-127"/>
+              </a:defRPr>
+            </a:lvl6pPr>
+            <a:lvl7pPr marL="2971800" indent="-228600" eaLnBrk="0" fontAlgn="base" hangingPunct="0">
+              <a:spcBef>
+                <a:spcPct val="0"/>
+              </a:spcBef>
+              <a:spcAft>
+                <a:spcPct val="0"/>
+              </a:spcAft>
+              <a:defRPr kumimoji="1">
+                <a:solidFill>
+                  <a:schemeClr val="tx1"/>
+                </a:solidFill>
+                <a:latin typeface="맑은 고딕" pitchFamily="34" charset="-127"/>
+                <a:ea typeface="굴림" pitchFamily="34" charset="-127"/>
+              </a:defRPr>
+            </a:lvl7pPr>
+            <a:lvl8pPr marL="3429000" indent="-228600" eaLnBrk="0" fontAlgn="base" hangingPunct="0">
+              <a:spcBef>
+                <a:spcPct val="0"/>
+              </a:spcBef>
+              <a:spcAft>
+                <a:spcPct val="0"/>
+              </a:spcAft>
+              <a:defRPr kumimoji="1">
+                <a:solidFill>
+                  <a:schemeClr val="tx1"/>
+                </a:solidFill>
+                <a:latin typeface="맑은 고딕" pitchFamily="34" charset="-127"/>
+                <a:ea typeface="굴림" pitchFamily="34" charset="-127"/>
+              </a:defRPr>
+            </a:lvl8pPr>
+            <a:lvl9pPr marL="3886200" indent="-228600" eaLnBrk="0" fontAlgn="base" hangingPunct="0">
+              <a:spcBef>
+                <a:spcPct val="0"/>
+              </a:spcBef>
+              <a:spcAft>
+                <a:spcPct val="0"/>
+              </a:spcAft>
+              <a:defRPr kumimoji="1">
+                <a:solidFill>
+                  <a:schemeClr val="tx1"/>
+                </a:solidFill>
+                <a:latin typeface="맑은 고딕" pitchFamily="34" charset="-127"/>
+                <a:ea typeface="굴림" pitchFamily="34" charset="-127"/>
+              </a:defRPr>
+            </a:lvl9pPr>
+          </a:lstStyle>
+          <a:p>
+            <a:fld id="{B8A49F9A-DCDA-4D28-96FF-33E7B3138555}" type="slidenum">
+              <a:rPr kumimoji="0" lang="ko-KR" altLang="en-US" b="1" smtClean="0">
+                <a:latin typeface="굴림체" pitchFamily="49" charset="-127"/>
+                <a:ea typeface="굴림체" pitchFamily="49" charset="-127"/>
+              </a:rPr>
+              <a:pPr/>
+              <a:t>3</a:t>
+            </a:fld>
+            <a:endParaRPr kumimoji="0" lang="ko-KR" altLang="en-US" b="1" dirty="0">
+              <a:latin typeface="굴림체" pitchFamily="49" charset="-127"/>
+              <a:ea typeface="굴림체" pitchFamily="49" charset="-127"/>
+            </a:endParaRPr>
+          </a:p>
+        </p:txBody>
+      </p:sp>
+    </p:spTree>
+    <p:extLst>
+      <p:ext uri="{BB962C8B-B14F-4D97-AF65-F5344CB8AC3E}">
+        <p14:creationId xmlns:p14="http://schemas.microsoft.com/office/powerpoint/2010/main" val="752870673"/>
+      </p:ext>
+    </p:extLst>
+  </p:cSld>
+  <p:clrMapOvr>
+    <a:masterClrMapping/>
+  </p:clrMapOvr>
+</p:sld>
+</file>
+
+<file path=ppt/slides/slide4.xml><?xml version="1.0" encoding="utf-8"?>
+<p:sld xmlns:a="http://schemas.openxmlformats.org/drawingml/2006/main" xmlns:r="http://schemas.openxmlformats.org/officeDocument/2006/relationships" xmlns:p="http://schemas.openxmlformats.org/presentationml/2006/main">
+  <p:cSld>
+    <p:spTree>
+      <p:nvGrpSpPr>
+        <p:cNvPr id="1" name=""/>
+        <p:cNvGrpSpPr/>
+        <p:nvPr/>
+      </p:nvGrpSpPr>
+      <p:grpSpPr>
+        <a:xfrm>
+          <a:off x="0" y="0"/>
+          <a:ext cx="0" cy="0"/>
+          <a:chOff x="0" y="0"/>
+          <a:chExt cx="0" cy="0"/>
+        </a:xfrm>
+      </p:grpSpPr>
+      <p:sp>
+        <p:nvSpPr>
+          <p:cNvPr id="22530" name="제목 2"/>
+          <p:cNvSpPr>
+            <a:spLocks noGrp="1"/>
+          </p:cNvSpPr>
+          <p:nvPr>
+            <p:ph type="title"/>
+          </p:nvPr>
+        </p:nvSpPr>
+        <p:spPr>
+          <a:xfrm>
+            <a:off x="1" y="-26988"/>
+            <a:ext cx="12145433" cy="696913"/>
+          </a:xfrm>
+          <a:solidFill>
+            <a:schemeClr val="accent6">
+              <a:lumMod val="60000"/>
+              <a:lumOff val="40000"/>
+            </a:schemeClr>
+          </a:solidFill>
+        </p:spPr>
+        <p:txBody>
+          <a:bodyPr/>
+          <a:lstStyle/>
+          <a:p>
+            <a:r>
+              <a:rPr lang="en-US" sz="3200" b="1" dirty="0">
+                <a:latin typeface="Arial" panose="020B0604020202020204" pitchFamily="34" charset="0"/>
+                <a:ea typeface="Tahoma" pitchFamily="34" charset="0"/>
+                <a:cs typeface="Arial" panose="020B0604020202020204" pitchFamily="34" charset="0"/>
+              </a:rPr>
+              <a:t>C4. Load and manipulate image with PIL</a:t>
+            </a:r>
+          </a:p>
+        </p:txBody>
+      </p:sp>
+      <p:sp>
+        <p:nvSpPr>
+          <p:cNvPr id="22531" name="Slide Number Placeholder 2"/>
+          <p:cNvSpPr txBox="1">
+            <a:spLocks/>
+          </p:cNvSpPr>
+          <p:nvPr/>
+        </p:nvSpPr>
+        <p:spPr bwMode="auto">
+          <a:xfrm>
+            <a:off x="9300633" y="6519864"/>
+            <a:ext cx="2844800" cy="365125"/>
+          </a:xfrm>
+          <a:prstGeom prst="rect">
+            <a:avLst/>
+          </a:prstGeom>
+          <a:noFill/>
+          <a:ln>
+            <a:noFill/>
+          </a:ln>
+          <a:extLst>
+            <a:ext uri="{909E8E84-426E-40DD-AFC4-6F175D3DCCD1}">
+              <a14:hiddenFill xmlns:a14="http://schemas.microsoft.com/office/drawing/2010/main">
+                <a:solidFill>
+                  <a:srgbClr val="FFFFFF"/>
+                </a:solidFill>
+              </a14:hiddenFill>
+            </a:ext>
+            <a:ext uri="{91240B29-F687-4F45-9708-019B960494DF}">
+              <a14:hiddenLine xmlns:a14="http://schemas.microsoft.com/office/drawing/2010/main" w="9525">
+                <a:solidFill>
+                  <a:srgbClr val="000000"/>
+                </a:solidFill>
+                <a:miter lim="800000"/>
+                <a:headEnd/>
+                <a:tailEnd/>
+              </a14:hiddenLine>
+            </a:ext>
+          </a:extLst>
+        </p:spPr>
+        <p:txBody>
+          <a:bodyPr anchor="ctr"/>
+          <a:lstStyle>
+            <a:lvl1pPr>
+              <a:defRPr kumimoji="1">
+                <a:solidFill>
+                  <a:schemeClr val="tx1"/>
+                </a:solidFill>
+                <a:latin typeface="맑은 고딕" pitchFamily="34" charset="-127"/>
+                <a:ea typeface="굴림" pitchFamily="34" charset="-127"/>
+              </a:defRPr>
+            </a:lvl1pPr>
+            <a:lvl2pPr marL="742950" indent="-285750">
+              <a:defRPr kumimoji="1">
+                <a:solidFill>
+                  <a:schemeClr val="tx1"/>
+                </a:solidFill>
+                <a:latin typeface="맑은 고딕" pitchFamily="34" charset="-127"/>
+                <a:ea typeface="굴림" pitchFamily="34" charset="-127"/>
+              </a:defRPr>
+            </a:lvl2pPr>
+            <a:lvl3pPr marL="1143000" indent="-228600">
+              <a:defRPr kumimoji="1">
+                <a:solidFill>
+                  <a:schemeClr val="tx1"/>
+                </a:solidFill>
+                <a:latin typeface="맑은 고딕" pitchFamily="34" charset="-127"/>
+                <a:ea typeface="굴림" pitchFamily="34" charset="-127"/>
+              </a:defRPr>
+            </a:lvl3pPr>
+            <a:lvl4pPr marL="1600200" indent="-228600">
+              <a:defRPr kumimoji="1">
+                <a:solidFill>
+                  <a:schemeClr val="tx1"/>
+                </a:solidFill>
+                <a:latin typeface="맑은 고딕" pitchFamily="34" charset="-127"/>
+                <a:ea typeface="굴림" pitchFamily="34" charset="-127"/>
+              </a:defRPr>
+            </a:lvl4pPr>
+            <a:lvl5pPr marL="2057400" indent="-228600">
+              <a:defRPr kumimoji="1">
+                <a:solidFill>
+                  <a:schemeClr val="tx1"/>
+                </a:solidFill>
+                <a:latin typeface="맑은 고딕" pitchFamily="34" charset="-127"/>
+                <a:ea typeface="굴림" pitchFamily="34" charset="-127"/>
+              </a:defRPr>
+            </a:lvl5pPr>
+            <a:lvl6pPr marL="2514600" indent="-228600" eaLnBrk="0" fontAlgn="base" hangingPunct="0">
+              <a:spcBef>
+                <a:spcPct val="0"/>
+              </a:spcBef>
+              <a:spcAft>
+                <a:spcPct val="0"/>
+              </a:spcAft>
+              <a:defRPr kumimoji="1">
+                <a:solidFill>
+                  <a:schemeClr val="tx1"/>
+                </a:solidFill>
+                <a:latin typeface="맑은 고딕" pitchFamily="34" charset="-127"/>
+                <a:ea typeface="굴림" pitchFamily="34" charset="-127"/>
+              </a:defRPr>
+            </a:lvl6pPr>
+            <a:lvl7pPr marL="2971800" indent="-228600" eaLnBrk="0" fontAlgn="base" hangingPunct="0">
+              <a:spcBef>
+                <a:spcPct val="0"/>
+              </a:spcBef>
+              <a:spcAft>
+                <a:spcPct val="0"/>
+              </a:spcAft>
+              <a:defRPr kumimoji="1">
+                <a:solidFill>
+                  <a:schemeClr val="tx1"/>
+                </a:solidFill>
+                <a:latin typeface="맑은 고딕" pitchFamily="34" charset="-127"/>
+                <a:ea typeface="굴림" pitchFamily="34" charset="-127"/>
+              </a:defRPr>
+            </a:lvl7pPr>
+            <a:lvl8pPr marL="3429000" indent="-228600" eaLnBrk="0" fontAlgn="base" hangingPunct="0">
+              <a:spcBef>
+                <a:spcPct val="0"/>
+              </a:spcBef>
+              <a:spcAft>
+                <a:spcPct val="0"/>
+              </a:spcAft>
+              <a:defRPr kumimoji="1">
+                <a:solidFill>
+                  <a:schemeClr val="tx1"/>
+                </a:solidFill>
+                <a:latin typeface="맑은 고딕" pitchFamily="34" charset="-127"/>
+                <a:ea typeface="굴림" pitchFamily="34" charset="-127"/>
+              </a:defRPr>
+            </a:lvl8pPr>
+            <a:lvl9pPr marL="3886200" indent="-228600" eaLnBrk="0" fontAlgn="base" hangingPunct="0">
+              <a:spcBef>
+                <a:spcPct val="0"/>
+              </a:spcBef>
+              <a:spcAft>
+                <a:spcPct val="0"/>
+              </a:spcAft>
+              <a:defRPr kumimoji="1">
+                <a:solidFill>
+                  <a:schemeClr val="tx1"/>
+                </a:solidFill>
+                <a:latin typeface="맑은 고딕" pitchFamily="34" charset="-127"/>
+                <a:ea typeface="굴림" pitchFamily="34" charset="-127"/>
+              </a:defRPr>
+            </a:lvl9pPr>
+          </a:lstStyle>
+          <a:p>
+            <a:pPr algn="r" eaLnBrk="1" latinLnBrk="1" hangingPunct="1"/>
+            <a:fld id="{6FD55601-2654-49A2-87C7-C4EB55D88EBB}" type="slidenum">
+              <a:rPr kumimoji="0" lang="ko-KR" altLang="en-US" sz="1200" b="1">
+                <a:latin typeface="굴림체" pitchFamily="49" charset="-127"/>
+                <a:ea typeface="굴림체" pitchFamily="49" charset="-127"/>
+              </a:rPr>
+              <a:pPr algn="r" eaLnBrk="1" latinLnBrk="1" hangingPunct="1"/>
+              <a:t>4</a:t>
             </a:fld>
             <a:endParaRPr kumimoji="0" lang="ko-KR" altLang="en-US" sz="1200" b="1">
               <a:latin typeface="굴림체" pitchFamily="49" charset="-127"/>
@@ -6469,7 +7568,7 @@
 </p:sld>
 </file>
 
-<file path=ppt/slides/slide3.xml><?xml version="1.0" encoding="utf-8"?>
+<file path=ppt/slides/slide5.xml><?xml version="1.0" encoding="utf-8"?>
 <p:sld xmlns:a="http://schemas.openxmlformats.org/drawingml/2006/main" xmlns:r="http://schemas.openxmlformats.org/officeDocument/2006/relationships" xmlns:p="http://schemas.openxmlformats.org/presentationml/2006/main">
   <p:cSld>
     <p:spTree>
@@ -6680,7 +7779,7 @@
                 <a:ea typeface="굴림체" pitchFamily="49" charset="-127"/>
               </a:rPr>
               <a:pPr algn="r" eaLnBrk="1" latinLnBrk="1" hangingPunct="1"/>
-              <a:t>3</a:t>
+              <a:t>5</a:t>
             </a:fld>
             <a:endParaRPr kumimoji="0" lang="ko-KR" altLang="en-US" sz="1200" b="1">
               <a:latin typeface="굴림체" pitchFamily="49" charset="-127"/>
@@ -6738,7 +7837,7 @@
 </p:sld>
 </file>
 
-<file path=ppt/slides/slide4.xml><?xml version="1.0" encoding="utf-8"?>
+<file path=ppt/slides/slide6.xml><?xml version="1.0" encoding="utf-8"?>
 <p:sld xmlns:a="http://schemas.openxmlformats.org/drawingml/2006/main" xmlns:r="http://schemas.openxmlformats.org/officeDocument/2006/relationships" xmlns:p="http://schemas.openxmlformats.org/presentationml/2006/main">
   <p:cSld>
     <p:spTree>
@@ -6949,7 +8048,7 @@
                 <a:ea typeface="굴림체" pitchFamily="49" charset="-127"/>
               </a:rPr>
               <a:pPr algn="r" eaLnBrk="1" latinLnBrk="1" hangingPunct="1"/>
-              <a:t>4</a:t>
+              <a:t>6</a:t>
             </a:fld>
             <a:endParaRPr kumimoji="0" lang="ko-KR" altLang="en-US" sz="1200" b="1">
               <a:latin typeface="굴림체" pitchFamily="49" charset="-127"/>
